--- a/ABSTRACT FACTORY_ThanhThao_TinhAnh.pptx
+++ b/ABSTRACT FACTORY_ThanhThao_TinhAnh.pptx
@@ -212,7 +212,7 @@
           <a:p>
             <a:fld id="{5EA0BCBA-360B-4DE4-AF99-182256B57E1C}" type="datetimeFigureOut">
               <a:rPr lang="en-US" smtClean="0"/>
-              <a:t>04/07/2016</a:t>
+              <a:t>9/2/2016</a:t>
             </a:fld>
             <a:endParaRPr lang="en-US"/>
           </a:p>
@@ -1964,9 +1964,9 @@
           <a:bodyPr/>
           <a:lstStyle/>
           <a:p>
-            <a:fld id="{9E482229-D807-42F1-B10D-43DF230B5F4B}" type="datetime1">
-              <a:rPr lang="en-US" smtClean="0"/>
-              <a:t>04/07/2016</a:t>
+            <a:fld id="{D63C57D3-9B2E-405E-934F-822D0CA0303B}" type="datetime1">
+              <a:rPr lang="vi-VN" smtClean="0"/>
+              <a:t>02/09/2016</a:t>
             </a:fld>
             <a:endParaRPr lang="en-US" dirty="0"/>
           </a:p>
@@ -1989,7 +1989,7 @@
           <a:p>
             <a:r>
               <a:rPr lang="en-US" smtClean="0"/>
-              <a:t>ABSTRACT FACTORY</a:t>
+              <a:t>Thanh Thảo - Tinh Anh</a:t>
             </a:r>
             <a:endParaRPr lang="en-US" dirty="0"/>
           </a:p>
@@ -2177,9 +2177,9 @@
           <a:bodyPr/>
           <a:lstStyle/>
           <a:p>
-            <a:fld id="{E34BF6AA-2F2D-47D3-BBF4-3FABBBA1D703}" type="datetime1">
-              <a:rPr lang="en-US" smtClean="0"/>
-              <a:t>04/07/2016</a:t>
+            <a:fld id="{C664299C-A06B-4B8F-98B9-720C7A4F49B5}" type="datetime1">
+              <a:rPr lang="vi-VN" smtClean="0"/>
+              <a:t>02/09/2016</a:t>
             </a:fld>
             <a:endParaRPr lang="en-US" dirty="0"/>
           </a:p>
@@ -2202,7 +2202,7 @@
           <a:p>
             <a:r>
               <a:rPr lang="en-US" smtClean="0"/>
-              <a:t>ABSTRACT FACTORY</a:t>
+              <a:t>Thanh Thảo - Tinh Anh</a:t>
             </a:r>
             <a:endParaRPr lang="en-US" dirty="0"/>
           </a:p>
@@ -2438,9 +2438,9 @@
           <a:bodyPr/>
           <a:lstStyle/>
           <a:p>
-            <a:fld id="{1348633F-FEE6-4EF9-A69A-CE060E67E332}" type="datetime1">
-              <a:rPr lang="en-US" smtClean="0"/>
-              <a:t>04/07/2016</a:t>
+            <a:fld id="{E872DC03-9CB2-4E16-AE8D-5AB8B43D1CB7}" type="datetime1">
+              <a:rPr lang="vi-VN" smtClean="0"/>
+              <a:t>02/09/2016</a:t>
             </a:fld>
             <a:endParaRPr lang="en-US" dirty="0"/>
           </a:p>
@@ -2463,7 +2463,7 @@
           <a:p>
             <a:r>
               <a:rPr lang="en-US" smtClean="0"/>
-              <a:t>ABSTRACT FACTORY</a:t>
+              <a:t>Thanh Thảo - Tinh Anh</a:t>
             </a:r>
             <a:endParaRPr lang="en-US" dirty="0"/>
           </a:p>
@@ -2613,9 +2613,9 @@
           <a:bodyPr/>
           <a:lstStyle/>
           <a:p>
-            <a:fld id="{9756EE01-EED2-47F3-9EE3-C958D1873C81}" type="datetime1">
-              <a:rPr lang="en-US" smtClean="0"/>
-              <a:t>04/07/2016</a:t>
+            <a:fld id="{B2FD47B9-A702-491D-A01D-78399BE11EB9}" type="datetime1">
+              <a:rPr lang="vi-VN" smtClean="0"/>
+              <a:t>02/09/2016</a:t>
             </a:fld>
             <a:endParaRPr lang="en-US" dirty="0"/>
           </a:p>
@@ -2638,7 +2638,7 @@
           <a:p>
             <a:r>
               <a:rPr lang="en-US" smtClean="0"/>
-              <a:t>ABSTRACT FACTORY</a:t>
+              <a:t>Thanh Thảo - Tinh Anh</a:t>
             </a:r>
             <a:endParaRPr lang="en-US" dirty="0"/>
           </a:p>
@@ -2961,9 +2961,9 @@
           <a:bodyPr/>
           <a:lstStyle/>
           <a:p>
-            <a:fld id="{A021012B-BA7B-464E-AC3F-68B257892EB9}" type="datetime1">
-              <a:rPr lang="en-US" smtClean="0"/>
-              <a:t>04/07/2016</a:t>
+            <a:fld id="{3A0E6762-B0E7-4676-A90A-D1D2C67D81E5}" type="datetime1">
+              <a:rPr lang="vi-VN" smtClean="0"/>
+              <a:t>02/09/2016</a:t>
             </a:fld>
             <a:endParaRPr lang="en-US" dirty="0"/>
           </a:p>
@@ -2986,7 +2986,7 @@
           <a:p>
             <a:r>
               <a:rPr lang="en-US" smtClean="0"/>
-              <a:t>ABSTRACT FACTORY</a:t>
+              <a:t>Thanh Thảo - Tinh Anh</a:t>
             </a:r>
             <a:endParaRPr lang="en-US" dirty="0"/>
           </a:p>
@@ -3248,9 +3248,9 @@
           <a:bodyPr/>
           <a:lstStyle/>
           <a:p>
-            <a:fld id="{CEADB1D6-7C38-4984-B355-986C84EE0FF1}" type="datetime1">
-              <a:rPr lang="en-US" smtClean="0"/>
-              <a:t>04/07/2016</a:t>
+            <a:fld id="{CAE0604E-DE3E-45FE-9D8F-0F8708F45F7A}" type="datetime1">
+              <a:rPr lang="vi-VN" smtClean="0"/>
+              <a:t>02/09/2016</a:t>
             </a:fld>
             <a:endParaRPr lang="en-US" dirty="0"/>
           </a:p>
@@ -3273,7 +3273,7 @@
           <a:p>
             <a:r>
               <a:rPr lang="en-US" smtClean="0"/>
-              <a:t>ABSTRACT FACTORY</a:t>
+              <a:t>Thanh Thảo - Tinh Anh</a:t>
             </a:r>
             <a:endParaRPr lang="en-US" dirty="0"/>
           </a:p>
@@ -3632,9 +3632,9 @@
           <a:bodyPr/>
           <a:lstStyle/>
           <a:p>
-            <a:fld id="{A232D7F0-30D4-4683-AAE4-0C4F7894B00F}" type="datetime1">
-              <a:rPr lang="en-US" smtClean="0"/>
-              <a:t>04/07/2016</a:t>
+            <a:fld id="{F31FF4CA-2330-40C4-8587-49C429222192}" type="datetime1">
+              <a:rPr lang="vi-VN" smtClean="0"/>
+              <a:t>02/09/2016</a:t>
             </a:fld>
             <a:endParaRPr lang="en-US" dirty="0"/>
           </a:p>
@@ -3657,7 +3657,7 @@
           <a:p>
             <a:r>
               <a:rPr lang="en-US" smtClean="0"/>
-              <a:t>ABSTRACT FACTORY</a:t>
+              <a:t>Thanh Thảo - Tinh Anh</a:t>
             </a:r>
             <a:endParaRPr lang="en-US" dirty="0"/>
           </a:p>
@@ -3755,9 +3755,9 @@
           <a:bodyPr/>
           <a:lstStyle/>
           <a:p>
-            <a:fld id="{51365AF7-D7B1-46DD-8758-F5270CCD2C82}" type="datetime1">
-              <a:rPr lang="en-US" smtClean="0"/>
-              <a:t>04/07/2016</a:t>
+            <a:fld id="{3620FEC7-AB9B-4DE9-9278-438A5E66FD64}" type="datetime1">
+              <a:rPr lang="vi-VN" smtClean="0"/>
+              <a:t>02/09/2016</a:t>
             </a:fld>
             <a:endParaRPr lang="en-US" dirty="0"/>
           </a:p>
@@ -3780,7 +3780,7 @@
           <a:p>
             <a:r>
               <a:rPr lang="en-US" smtClean="0"/>
-              <a:t>ABSTRACT FACTORY</a:t>
+              <a:t>Thanh Thảo - Tinh Anh</a:t>
             </a:r>
             <a:endParaRPr lang="en-US" dirty="0"/>
           </a:p>
@@ -3931,9 +3931,9 @@
           <a:bodyPr/>
           <a:lstStyle/>
           <a:p>
-            <a:fld id="{FE24E257-535D-443B-8469-0B5BF47B808A}" type="datetime1">
-              <a:rPr lang="en-US" smtClean="0"/>
-              <a:t>04/07/2016</a:t>
+            <a:fld id="{1FE86D5D-32B7-4C41-B913-F9952B700720}" type="datetime1">
+              <a:rPr lang="vi-VN" smtClean="0"/>
+              <a:t>02/09/2016</a:t>
             </a:fld>
             <a:endParaRPr lang="en-US" dirty="0"/>
           </a:p>
@@ -3964,7 +3964,7 @@
           <a:p>
             <a:r>
               <a:rPr lang="en-US" smtClean="0"/>
-              <a:t>ABSTRACT FACTORY</a:t>
+              <a:t>Thanh Thảo - Tinh Anh</a:t>
             </a:r>
             <a:endParaRPr lang="en-US" dirty="0"/>
           </a:p>
@@ -4305,9 +4305,9 @@
             </a:lvl1pPr>
           </a:lstStyle>
           <a:p>
-            <a:fld id="{4D2BA3CC-EB0E-45F1-B5A4-3126B70CDB5D}" type="datetime1">
-              <a:rPr lang="en-US" smtClean="0"/>
-              <a:t>04/07/2016</a:t>
+            <a:fld id="{3EFED14C-D1CC-4848-9F98-D237E0768E0C}" type="datetime1">
+              <a:rPr lang="vi-VN" smtClean="0"/>
+              <a:t>02/09/2016</a:t>
             </a:fld>
             <a:endParaRPr lang="en-US" dirty="0"/>
           </a:p>
@@ -4343,7 +4343,7 @@
           <a:p>
             <a:r>
               <a:rPr lang="en-US" smtClean="0"/>
-              <a:t>ABSTRACT FACTORY</a:t>
+              <a:t>Thanh Thảo - Tinh Anh</a:t>
             </a:r>
             <a:endParaRPr lang="en-US" dirty="0"/>
           </a:p>
@@ -4687,9 +4687,9 @@
           <a:bodyPr/>
           <a:lstStyle/>
           <a:p>
-            <a:fld id="{845425DE-0E07-435E-9C39-ECE7F7FEEE61}" type="datetime1">
-              <a:rPr lang="en-US" smtClean="0"/>
-              <a:t>04/07/2016</a:t>
+            <a:fld id="{DB26347A-551A-43B7-835E-4EFB671B0742}" type="datetime1">
+              <a:rPr lang="vi-VN" smtClean="0"/>
+              <a:t>02/09/2016</a:t>
             </a:fld>
             <a:endParaRPr lang="en-US" dirty="0"/>
           </a:p>
@@ -4712,7 +4712,7 @@
           <a:p>
             <a:r>
               <a:rPr lang="en-US" smtClean="0"/>
-              <a:t>ABSTRACT FACTORY</a:t>
+              <a:t>Thanh Thảo - Tinh Anh</a:t>
             </a:r>
             <a:endParaRPr lang="en-US" dirty="0"/>
           </a:p>
@@ -4979,9 +4979,9 @@
             </a:lvl1pPr>
           </a:lstStyle>
           <a:p>
-            <a:fld id="{7042F765-0377-41E0-B51A-BA2481AAE523}" type="datetime1">
-              <a:rPr lang="en-US" smtClean="0"/>
-              <a:t>04/07/2016</a:t>
+            <a:fld id="{75B83C60-4E00-4F72-ACFE-C1AB8635661C}" type="datetime1">
+              <a:rPr lang="vi-VN" smtClean="0"/>
+              <a:t>02/09/2016</a:t>
             </a:fld>
             <a:endParaRPr lang="en-US" dirty="0"/>
           </a:p>
@@ -5020,7 +5020,7 @@
           <a:p>
             <a:r>
               <a:rPr lang="en-US" smtClean="0"/>
-              <a:t>ABSTRACT FACTORY</a:t>
+              <a:t>Thanh Thảo - Tinh Anh</a:t>
             </a:r>
             <a:endParaRPr lang="en-US" dirty="0"/>
           </a:p>
@@ -5132,7 +5132,7 @@
       </p:par>
     </p:tnLst>
   </p:timing>
-  <p:hf hdr="0" dt="0"/>
+  <p:hf hdr="0"/>
   <p:txStyles>
     <p:titleStyle>
       <a:lvl1pPr algn="l" defTabSz="914400" rtl="0" eaLnBrk="1" latinLnBrk="0" hangingPunct="1">
@@ -5569,8 +5569,8 @@
         </p:nvSpPr>
         <p:spPr>
           <a:xfrm>
-            <a:off x="8559800" y="5549900"/>
-            <a:ext cx="3403600" cy="461665"/>
+            <a:off x="7940842" y="5052595"/>
+            <a:ext cx="4006516" cy="1200329"/>
           </a:xfrm>
           <a:prstGeom prst="rect">
             <a:avLst/>
@@ -5585,7 +5585,33 @@
           <a:p>
             <a:r>
               <a:rPr lang="en-US" sz="2400" b="1" smtClean="0"/>
-              <a:t>Thực hiện : Nhóm 2</a:t>
+              <a:t>Thực hiện </a:t>
+            </a:r>
+            <a:r>
+              <a:rPr lang="en-US" sz="2400" b="1" smtClean="0"/>
+              <a:t>:</a:t>
+            </a:r>
+          </a:p>
+          <a:p>
+            <a:pPr marL="457200" indent="-457200">
+              <a:buAutoNum type="arabicPeriod"/>
+            </a:pPr>
+            <a:r>
+              <a:rPr lang="en-US" sz="2400" b="1" smtClean="0"/>
+              <a:t>Trương Thị Thanh Thảo</a:t>
+            </a:r>
+            <a:r>
+              <a:rPr lang="en-US" sz="2400" b="1" smtClean="0"/>
+              <a:t> </a:t>
+            </a:r>
+          </a:p>
+          <a:p>
+            <a:pPr marL="457200" indent="-457200">
+              <a:buAutoNum type="arabicPeriod"/>
+            </a:pPr>
+            <a:r>
+              <a:rPr lang="en-US" sz="2400" b="1" smtClean="0"/>
+              <a:t>Trương Ngọc Tinh Anh</a:t>
             </a:r>
             <a:endParaRPr lang="en-US" sz="2400" b="1"/>
           </a:p>
@@ -5826,7 +5852,7 @@
                 <a:latin typeface="Arial" panose="020B0604020202020204" pitchFamily="34" charset="0"/>
                 <a:cs typeface="Arial" panose="020B0604020202020204" pitchFamily="34" charset="0"/>
               </a:rPr>
-              <a:t>ABSTRACT FACTORY</a:t>
+              <a:t>Thanh Thảo - Tinh Anh</a:t>
             </a:r>
             <a:endParaRPr lang="en-US" sz="1200" b="1" dirty="0">
               <a:solidFill>
@@ -5857,6 +5883,29 @@
               <a:rPr lang="en-US" smtClean="0"/>
               <a:pPr/>
               <a:t>10</a:t>
+            </a:fld>
+            <a:endParaRPr lang="en-US" dirty="0"/>
+          </a:p>
+        </p:txBody>
+      </p:sp>
+      <p:sp>
+        <p:nvSpPr>
+          <p:cNvPr id="6" name="Date Placeholder 5"/>
+          <p:cNvSpPr>
+            <a:spLocks noGrp="1"/>
+          </p:cNvSpPr>
+          <p:nvPr>
+            <p:ph type="dt" sz="half" idx="10"/>
+          </p:nvPr>
+        </p:nvSpPr>
+        <p:spPr/>
+        <p:txBody>
+          <a:bodyPr/>
+          <a:lstStyle/>
+          <a:p>
+            <a:fld id="{6026B141-3F06-4EA3-93C0-52244C029D1F}" type="datetime1">
+              <a:rPr lang="vi-VN" smtClean="0"/>
+              <a:t>02/09/2016</a:t>
             </a:fld>
             <a:endParaRPr lang="en-US" dirty="0"/>
           </a:p>
@@ -6012,7 +6061,7 @@
                 <a:latin typeface="Arial" panose="020B0604020202020204" pitchFamily="34" charset="0"/>
                 <a:cs typeface="Arial" panose="020B0604020202020204" pitchFamily="34" charset="0"/>
               </a:rPr>
-              <a:t>ABSTRACT FACTORY</a:t>
+              <a:t>Thanh Thảo - Tinh Anh</a:t>
             </a:r>
             <a:endParaRPr lang="en-US" sz="1200" b="1" dirty="0">
               <a:solidFill>
@@ -6109,6 +6158,29 @@
               <a:rPr lang="en-US" smtClean="0"/>
               <a:pPr/>
               <a:t>11</a:t>
+            </a:fld>
+            <a:endParaRPr lang="en-US" dirty="0"/>
+          </a:p>
+        </p:txBody>
+      </p:sp>
+      <p:sp>
+        <p:nvSpPr>
+          <p:cNvPr id="6" name="Date Placeholder 5"/>
+          <p:cNvSpPr>
+            <a:spLocks noGrp="1"/>
+          </p:cNvSpPr>
+          <p:nvPr>
+            <p:ph type="dt" sz="half" idx="10"/>
+          </p:nvPr>
+        </p:nvSpPr>
+        <p:spPr/>
+        <p:txBody>
+          <a:bodyPr/>
+          <a:lstStyle/>
+          <a:p>
+            <a:fld id="{880BA17A-5367-4AE5-B382-E65C6384D0BF}" type="datetime1">
+              <a:rPr lang="vi-VN" smtClean="0"/>
+              <a:t>02/09/2016</a:t>
             </a:fld>
             <a:endParaRPr lang="en-US" dirty="0"/>
           </a:p>
@@ -6392,11 +6464,7 @@
             </a:pPr>
             <a:r>
               <a:rPr lang="en-US" sz="3200" b="1" smtClean="0"/>
-              <a:t>Singleton </a:t>
-            </a:r>
-            <a:r>
-              <a:rPr lang="en-US" sz="3200" b="1" smtClean="0"/>
-              <a:t>: thường sử </a:t>
+              <a:t>Singleton : thường sử </a:t>
             </a:r>
             <a:r>
               <a:rPr lang="en-US" sz="3200" b="1"/>
@@ -6436,7 +6504,7 @@
                 <a:latin typeface="Arial" panose="020B0604020202020204" pitchFamily="34" charset="0"/>
                 <a:cs typeface="Arial" panose="020B0604020202020204" pitchFamily="34" charset="0"/>
               </a:rPr>
-              <a:t>ABSTRACT FACTORY</a:t>
+              <a:t>Thanh Thảo - Tinh Anh</a:t>
             </a:r>
             <a:endParaRPr lang="en-US" sz="1200" b="1" dirty="0">
               <a:solidFill>
@@ -6533,6 +6601,29 @@
               <a:rPr lang="en-US" smtClean="0"/>
               <a:pPr/>
               <a:t>12</a:t>
+            </a:fld>
+            <a:endParaRPr lang="en-US" dirty="0"/>
+          </a:p>
+        </p:txBody>
+      </p:sp>
+      <p:sp>
+        <p:nvSpPr>
+          <p:cNvPr id="6" name="Date Placeholder 5"/>
+          <p:cNvSpPr>
+            <a:spLocks noGrp="1"/>
+          </p:cNvSpPr>
+          <p:nvPr>
+            <p:ph type="dt" sz="half" idx="10"/>
+          </p:nvPr>
+        </p:nvSpPr>
+        <p:spPr/>
+        <p:txBody>
+          <a:bodyPr/>
+          <a:lstStyle/>
+          <a:p>
+            <a:fld id="{7E6DC6C9-5BB1-4000-B958-B2AD1F3DE028}" type="datetime1">
+              <a:rPr lang="vi-VN" smtClean="0"/>
+              <a:t>02/09/2016</a:t>
             </a:fld>
             <a:endParaRPr lang="en-US" dirty="0"/>
           </a:p>
@@ -6859,7 +6950,7 @@
                 <a:latin typeface="Arial" panose="020B0604020202020204" pitchFamily="34" charset="0"/>
                 <a:cs typeface="Arial" panose="020B0604020202020204" pitchFamily="34" charset="0"/>
               </a:rPr>
-              <a:t>ABSTRACT FACTORY</a:t>
+              <a:t>Thanh Thảo - Tinh Anh</a:t>
             </a:r>
             <a:endParaRPr lang="en-US" sz="1200" b="1" dirty="0">
               <a:solidFill>
@@ -6956,6 +7047,29 @@
               <a:rPr lang="en-US" smtClean="0"/>
               <a:pPr/>
               <a:t>13</a:t>
+            </a:fld>
+            <a:endParaRPr lang="en-US" dirty="0"/>
+          </a:p>
+        </p:txBody>
+      </p:sp>
+      <p:sp>
+        <p:nvSpPr>
+          <p:cNvPr id="6" name="Date Placeholder 5"/>
+          <p:cNvSpPr>
+            <a:spLocks noGrp="1"/>
+          </p:cNvSpPr>
+          <p:nvPr>
+            <p:ph type="dt" sz="half" idx="10"/>
+          </p:nvPr>
+        </p:nvSpPr>
+        <p:spPr/>
+        <p:txBody>
+          <a:bodyPr/>
+          <a:lstStyle/>
+          <a:p>
+            <a:fld id="{4B676FDF-B06B-4133-9CAD-A4CCA77B3FFF}" type="datetime1">
+              <a:rPr lang="vi-VN" smtClean="0"/>
+              <a:t>02/09/2016</a:t>
             </a:fld>
             <a:endParaRPr lang="en-US" dirty="0"/>
           </a:p>
@@ -7222,7 +7336,7 @@
                 <a:latin typeface="Arial" panose="020B0604020202020204" pitchFamily="34" charset="0"/>
                 <a:cs typeface="Arial" panose="020B0604020202020204" pitchFamily="34" charset="0"/>
               </a:rPr>
-              <a:t>ABSTRACT FACTORY</a:t>
+              <a:t>Thanh Thảo - Tinh Anh</a:t>
             </a:r>
             <a:endParaRPr lang="en-US" sz="1200" b="1" dirty="0">
               <a:solidFill>
@@ -8171,6 +8285,29 @@
               <a:rPr lang="en-US" smtClean="0"/>
               <a:pPr/>
               <a:t>14</a:t>
+            </a:fld>
+            <a:endParaRPr lang="en-US" dirty="0"/>
+          </a:p>
+        </p:txBody>
+      </p:sp>
+      <p:sp>
+        <p:nvSpPr>
+          <p:cNvPr id="17" name="Date Placeholder 16"/>
+          <p:cNvSpPr>
+            <a:spLocks noGrp="1"/>
+          </p:cNvSpPr>
+          <p:nvPr>
+            <p:ph type="dt" sz="half" idx="10"/>
+          </p:nvPr>
+        </p:nvSpPr>
+        <p:spPr/>
+        <p:txBody>
+          <a:bodyPr/>
+          <a:lstStyle/>
+          <a:p>
+            <a:fld id="{D1A9D4EA-53BF-47B0-9031-5DF01CC529C1}" type="datetime1">
+              <a:rPr lang="vi-VN" smtClean="0"/>
+              <a:t>02/09/2016</a:t>
             </a:fld>
             <a:endParaRPr lang="en-US" dirty="0"/>
           </a:p>
@@ -10096,7 +10233,7 @@
                 <a:latin typeface="Arial" panose="020B0604020202020204" pitchFamily="34" charset="0"/>
                 <a:cs typeface="Arial" panose="020B0604020202020204" pitchFamily="34" charset="0"/>
               </a:rPr>
-              <a:t>ABSTRACT FACTORY</a:t>
+              <a:t>Thanh Thảo - Tinh Anh</a:t>
             </a:r>
             <a:endParaRPr lang="en-US" sz="1200" b="1" dirty="0">
               <a:solidFill>
@@ -10151,6 +10288,29 @@
               <a:rPr lang="en-US" smtClean="0"/>
               <a:pPr/>
               <a:t>15</a:t>
+            </a:fld>
+            <a:endParaRPr lang="en-US" dirty="0"/>
+          </a:p>
+        </p:txBody>
+      </p:sp>
+      <p:sp>
+        <p:nvSpPr>
+          <p:cNvPr id="4" name="Date Placeholder 3"/>
+          <p:cNvSpPr>
+            <a:spLocks noGrp="1"/>
+          </p:cNvSpPr>
+          <p:nvPr>
+            <p:ph type="dt" sz="half" idx="10"/>
+          </p:nvPr>
+        </p:nvSpPr>
+        <p:spPr/>
+        <p:txBody>
+          <a:bodyPr/>
+          <a:lstStyle/>
+          <a:p>
+            <a:fld id="{DBFA7DFA-036C-4169-81A5-1C944F8945EC}" type="datetime1">
+              <a:rPr lang="vi-VN" smtClean="0"/>
+              <a:t>02/09/2016</a:t>
             </a:fld>
             <a:endParaRPr lang="en-US" dirty="0"/>
           </a:p>
@@ -10380,7 +10540,7 @@
           <a:p>
             <a:r>
               <a:rPr lang="en-US" smtClean="0"/>
-              <a:t>ABSTRACT FACTORY</a:t>
+              <a:t>Thanh Thảo - Tinh Anh</a:t>
             </a:r>
             <a:endParaRPr lang="en-US" dirty="0"/>
           </a:p>
@@ -10454,6 +10614,29 @@
                 <a:srgbClr val="7030A0"/>
               </a:solidFill>
             </a:endParaRPr>
+          </a:p>
+        </p:txBody>
+      </p:sp>
+      <p:sp>
+        <p:nvSpPr>
+          <p:cNvPr id="5" name="Date Placeholder 4"/>
+          <p:cNvSpPr>
+            <a:spLocks noGrp="1"/>
+          </p:cNvSpPr>
+          <p:nvPr>
+            <p:ph type="dt" sz="half" idx="10"/>
+          </p:nvPr>
+        </p:nvSpPr>
+        <p:spPr/>
+        <p:txBody>
+          <a:bodyPr/>
+          <a:lstStyle/>
+          <a:p>
+            <a:fld id="{894FEA7A-8F1F-45C4-8404-9640F2C74F1A}" type="datetime1">
+              <a:rPr lang="vi-VN" smtClean="0"/>
+              <a:t>02/09/2016</a:t>
+            </a:fld>
+            <a:endParaRPr lang="en-US" dirty="0"/>
           </a:p>
         </p:txBody>
       </p:sp>
@@ -10741,7 +10924,7 @@
                 <a:latin typeface="Arial" panose="020B0604020202020204" pitchFamily="34" charset="0"/>
                 <a:cs typeface="Arial" panose="020B0604020202020204" pitchFamily="34" charset="0"/>
               </a:rPr>
-              <a:t>ABSTRACT FACTORY</a:t>
+              <a:t>Thanh Thảo - Tinh Anh</a:t>
             </a:r>
             <a:endParaRPr lang="en-US" sz="1200" b="1" dirty="0">
               <a:solidFill>
@@ -10772,6 +10955,29 @@
               <a:rPr lang="en-US" smtClean="0"/>
               <a:pPr/>
               <a:t>2</a:t>
+            </a:fld>
+            <a:endParaRPr lang="en-US" dirty="0"/>
+          </a:p>
+        </p:txBody>
+      </p:sp>
+      <p:sp>
+        <p:nvSpPr>
+          <p:cNvPr id="6" name="Date Placeholder 5"/>
+          <p:cNvSpPr>
+            <a:spLocks noGrp="1"/>
+          </p:cNvSpPr>
+          <p:nvPr>
+            <p:ph type="dt" sz="half" idx="10"/>
+          </p:nvPr>
+        </p:nvSpPr>
+        <p:spPr/>
+        <p:txBody>
+          <a:bodyPr/>
+          <a:lstStyle/>
+          <a:p>
+            <a:fld id="{CC577F39-0FC8-4EE8-A1E2-53C7257498ED}" type="datetime1">
+              <a:rPr lang="vi-VN" smtClean="0"/>
+              <a:t>02/09/2016</a:t>
             </a:fld>
             <a:endParaRPr lang="en-US" dirty="0"/>
           </a:p>
@@ -11051,7 +11257,7 @@
                 <a:latin typeface="Arial" panose="020B0604020202020204" pitchFamily="34" charset="0"/>
                 <a:cs typeface="Arial" panose="020B0604020202020204" pitchFamily="34" charset="0"/>
               </a:rPr>
-              <a:t>ABSTRACT FACTORY</a:t>
+              <a:t>Thanh Thảo - Tinh Anh</a:t>
             </a:r>
             <a:endParaRPr lang="en-US" sz="1200" b="1" dirty="0">
               <a:solidFill>
@@ -11082,6 +11288,29 @@
               <a:rPr lang="en-US" smtClean="0"/>
               <a:pPr/>
               <a:t>3</a:t>
+            </a:fld>
+            <a:endParaRPr lang="en-US" dirty="0"/>
+          </a:p>
+        </p:txBody>
+      </p:sp>
+      <p:sp>
+        <p:nvSpPr>
+          <p:cNvPr id="6" name="Date Placeholder 5"/>
+          <p:cNvSpPr>
+            <a:spLocks noGrp="1"/>
+          </p:cNvSpPr>
+          <p:nvPr>
+            <p:ph type="dt" sz="half" idx="10"/>
+          </p:nvPr>
+        </p:nvSpPr>
+        <p:spPr/>
+        <p:txBody>
+          <a:bodyPr/>
+          <a:lstStyle/>
+          <a:p>
+            <a:fld id="{5E88D6A0-A749-4C4A-AC0B-60393DCA15B8}" type="datetime1">
+              <a:rPr lang="vi-VN" smtClean="0"/>
+              <a:t>02/09/2016</a:t>
             </a:fld>
             <a:endParaRPr lang="en-US" dirty="0"/>
           </a:p>
@@ -11273,7 +11502,7 @@
                 <a:latin typeface="Arial" panose="020B0604020202020204" pitchFamily="34" charset="0"/>
                 <a:cs typeface="Arial" panose="020B0604020202020204" pitchFamily="34" charset="0"/>
               </a:rPr>
-              <a:t>ABSTRACT FACTORY</a:t>
+              <a:t>Thanh Thảo - Tinh Anh</a:t>
             </a:r>
             <a:endParaRPr lang="en-US" sz="1200" b="1" dirty="0">
               <a:solidFill>
@@ -11304,6 +11533,29 @@
               <a:rPr lang="en-US" smtClean="0"/>
               <a:pPr/>
               <a:t>4</a:t>
+            </a:fld>
+            <a:endParaRPr lang="en-US" dirty="0"/>
+          </a:p>
+        </p:txBody>
+      </p:sp>
+      <p:sp>
+        <p:nvSpPr>
+          <p:cNvPr id="6" name="Date Placeholder 5"/>
+          <p:cNvSpPr>
+            <a:spLocks noGrp="1"/>
+          </p:cNvSpPr>
+          <p:nvPr>
+            <p:ph type="dt" sz="half" idx="10"/>
+          </p:nvPr>
+        </p:nvSpPr>
+        <p:spPr/>
+        <p:txBody>
+          <a:bodyPr/>
+          <a:lstStyle/>
+          <a:p>
+            <a:fld id="{1E55367B-3448-4592-BF86-E3B4E7707ED5}" type="datetime1">
+              <a:rPr lang="vi-VN" smtClean="0"/>
+              <a:t>02/09/2016</a:t>
             </a:fld>
             <a:endParaRPr lang="en-US" dirty="0"/>
           </a:p>
@@ -11504,7 +11756,7 @@
                 <a:latin typeface="Arial" panose="020B0604020202020204" pitchFamily="34" charset="0"/>
                 <a:cs typeface="Arial" panose="020B0604020202020204" pitchFamily="34" charset="0"/>
               </a:rPr>
-              <a:t>ABSTRACT FACTORY</a:t>
+              <a:t>Thanh Thảo - Tinh Anh</a:t>
             </a:r>
             <a:endParaRPr lang="en-US" sz="1200" b="1" dirty="0">
               <a:solidFill>
@@ -11535,6 +11787,29 @@
               <a:rPr lang="en-US" smtClean="0"/>
               <a:pPr/>
               <a:t>5</a:t>
+            </a:fld>
+            <a:endParaRPr lang="en-US" dirty="0"/>
+          </a:p>
+        </p:txBody>
+      </p:sp>
+      <p:sp>
+        <p:nvSpPr>
+          <p:cNvPr id="6" name="Date Placeholder 5"/>
+          <p:cNvSpPr>
+            <a:spLocks noGrp="1"/>
+          </p:cNvSpPr>
+          <p:nvPr>
+            <p:ph type="dt" sz="half" idx="10"/>
+          </p:nvPr>
+        </p:nvSpPr>
+        <p:spPr/>
+        <p:txBody>
+          <a:bodyPr/>
+          <a:lstStyle/>
+          <a:p>
+            <a:fld id="{9958F89C-920E-4C71-BE39-7B7197DCDB45}" type="datetime1">
+              <a:rPr lang="vi-VN" smtClean="0"/>
+              <a:t>02/09/2016</a:t>
             </a:fld>
             <a:endParaRPr lang="en-US" dirty="0"/>
           </a:p>
@@ -11642,7 +11917,7 @@
                 <a:latin typeface="Arial" panose="020B0604020202020204" pitchFamily="34" charset="0"/>
                 <a:cs typeface="Arial" panose="020B0604020202020204" pitchFamily="34" charset="0"/>
               </a:rPr>
-              <a:t>ABSTRACT FACTORY</a:t>
+              <a:t>Thanh Thảo - Tinh Anh</a:t>
             </a:r>
             <a:endParaRPr lang="en-US" sz="1200" b="1" dirty="0">
               <a:solidFill>
@@ -11706,6 +11981,29 @@
               <a:rPr lang="en-US" smtClean="0"/>
               <a:pPr/>
               <a:t>6</a:t>
+            </a:fld>
+            <a:endParaRPr lang="en-US" dirty="0"/>
+          </a:p>
+        </p:txBody>
+      </p:sp>
+      <p:sp>
+        <p:nvSpPr>
+          <p:cNvPr id="4" name="Date Placeholder 3"/>
+          <p:cNvSpPr>
+            <a:spLocks noGrp="1"/>
+          </p:cNvSpPr>
+          <p:nvPr>
+            <p:ph type="dt" sz="half" idx="10"/>
+          </p:nvPr>
+        </p:nvSpPr>
+        <p:spPr/>
+        <p:txBody>
+          <a:bodyPr/>
+          <a:lstStyle/>
+          <a:p>
+            <a:fld id="{470120C0-0BF6-40E2-BFBC-049D05992E29}" type="datetime1">
+              <a:rPr lang="vi-VN" smtClean="0"/>
+              <a:t>02/09/2016</a:t>
             </a:fld>
             <a:endParaRPr lang="en-US" dirty="0"/>
           </a:p>
@@ -12001,7 +12299,7 @@
                 <a:latin typeface="Arial" panose="020B0604020202020204" pitchFamily="34" charset="0"/>
                 <a:cs typeface="Arial" panose="020B0604020202020204" pitchFamily="34" charset="0"/>
               </a:rPr>
-              <a:t>ABSTRACT FACTORY</a:t>
+              <a:t>Thanh Thảo - Tinh Anh</a:t>
             </a:r>
             <a:endParaRPr lang="en-US" sz="1200" b="1" dirty="0">
               <a:solidFill>
@@ -12032,6 +12330,29 @@
               <a:rPr lang="en-US" smtClean="0"/>
               <a:pPr/>
               <a:t>7</a:t>
+            </a:fld>
+            <a:endParaRPr lang="en-US" dirty="0"/>
+          </a:p>
+        </p:txBody>
+      </p:sp>
+      <p:sp>
+        <p:nvSpPr>
+          <p:cNvPr id="6" name="Date Placeholder 5"/>
+          <p:cNvSpPr>
+            <a:spLocks noGrp="1"/>
+          </p:cNvSpPr>
+          <p:nvPr>
+            <p:ph type="dt" sz="half" idx="10"/>
+          </p:nvPr>
+        </p:nvSpPr>
+        <p:spPr/>
+        <p:txBody>
+          <a:bodyPr/>
+          <a:lstStyle/>
+          <a:p>
+            <a:fld id="{D697C448-2627-4FE9-BFC6-1ABEA7DA5E6B}" type="datetime1">
+              <a:rPr lang="vi-VN" smtClean="0"/>
+              <a:t>02/09/2016</a:t>
             </a:fld>
             <a:endParaRPr lang="en-US" dirty="0"/>
           </a:p>
@@ -12268,7 +12589,7 @@
                 <a:latin typeface="Arial" panose="020B0604020202020204" pitchFamily="34" charset="0"/>
                 <a:cs typeface="Arial" panose="020B0604020202020204" pitchFamily="34" charset="0"/>
               </a:rPr>
-              <a:t>ABSTRACT FACTORY</a:t>
+              <a:t>Thanh Thảo - Tinh Anh</a:t>
             </a:r>
             <a:endParaRPr lang="en-US" sz="1200" b="1" dirty="0">
               <a:solidFill>
@@ -12299,6 +12620,29 @@
               <a:rPr lang="en-US" smtClean="0"/>
               <a:pPr/>
               <a:t>8</a:t>
+            </a:fld>
+            <a:endParaRPr lang="en-US" dirty="0"/>
+          </a:p>
+        </p:txBody>
+      </p:sp>
+      <p:sp>
+        <p:nvSpPr>
+          <p:cNvPr id="6" name="Date Placeholder 5"/>
+          <p:cNvSpPr>
+            <a:spLocks noGrp="1"/>
+          </p:cNvSpPr>
+          <p:nvPr>
+            <p:ph type="dt" sz="half" idx="10"/>
+          </p:nvPr>
+        </p:nvSpPr>
+        <p:spPr/>
+        <p:txBody>
+          <a:bodyPr/>
+          <a:lstStyle/>
+          <a:p>
+            <a:fld id="{1A94E218-95C1-4943-9F18-8AE278AAD0F1}" type="datetime1">
+              <a:rPr lang="vi-VN" smtClean="0"/>
+              <a:t>02/09/2016</a:t>
             </a:fld>
             <a:endParaRPr lang="en-US" dirty="0"/>
           </a:p>
@@ -12742,7 +13086,7 @@
                 <a:latin typeface="Arial" panose="020B0604020202020204" pitchFamily="34" charset="0"/>
                 <a:cs typeface="Arial" panose="020B0604020202020204" pitchFamily="34" charset="0"/>
               </a:rPr>
-              <a:t>ABSTRACT FACTORY</a:t>
+              <a:t>Thanh Thảo - Tinh Anh</a:t>
             </a:r>
             <a:endParaRPr lang="en-US" sz="1200" b="1" dirty="0">
               <a:solidFill>
@@ -12773,6 +13117,29 @@
               <a:rPr lang="en-US" smtClean="0"/>
               <a:pPr/>
               <a:t>9</a:t>
+            </a:fld>
+            <a:endParaRPr lang="en-US" dirty="0"/>
+          </a:p>
+        </p:txBody>
+      </p:sp>
+      <p:sp>
+        <p:nvSpPr>
+          <p:cNvPr id="6" name="Date Placeholder 5"/>
+          <p:cNvSpPr>
+            <a:spLocks noGrp="1"/>
+          </p:cNvSpPr>
+          <p:nvPr>
+            <p:ph type="dt" sz="half" idx="10"/>
+          </p:nvPr>
+        </p:nvSpPr>
+        <p:spPr/>
+        <p:txBody>
+          <a:bodyPr/>
+          <a:lstStyle/>
+          <a:p>
+            <a:fld id="{3CBCB878-5782-4EC5-B32F-C03A39105DAA}" type="datetime1">
+              <a:rPr lang="vi-VN" smtClean="0"/>
+              <a:t>02/09/2016</a:t>
             </a:fld>
             <a:endParaRPr lang="en-US" dirty="0"/>
           </a:p>
